--- a/heliosphere仕様関連/1_作品紹介フォーマット2019/1_作品紹介フォーマット2019.pptx
+++ b/heliosphere仕様関連/1_作品紹介フォーマット2019/1_作品紹介フォーマット2019.pptx
@@ -134,6 +134,22 @@
       </a:defRPr>
     </a:lvl9pPr>
   </p:defaultTextStyle>
+  <p:extLst>
+    <p:ext uri="{EFAFB233-063F-42B5-8137-9DF3F51BA10A}">
+      <p15:sldGuideLst xmlns:p15="http://schemas.microsoft.com/office/powerpoint/2012/main">
+        <p15:guide id="1" orient="horz" pos="3005">
+          <p15:clr>
+            <a:srgbClr val="A4A3A4"/>
+          </p15:clr>
+        </p15:guide>
+        <p15:guide id="2" pos="2256">
+          <p15:clr>
+            <a:srgbClr val="A4A3A4"/>
+          </p15:clr>
+        </p15:guide>
+      </p15:sldGuideLst>
+    </p:ext>
+  </p:extLst>
 </p:presentation>
 </file>
 
@@ -3881,7 +3897,7 @@
           <p:nvPr>
             <p:extLst>
               <p:ext uri="{D42A27DB-BD31-4B8C-83A1-F6EECF244321}">
-                <p14:modId xmlns:p14="http://schemas.microsoft.com/office/powerpoint/2010/main" val="3291429256"/>
+                <p14:modId xmlns:p14="http://schemas.microsoft.com/office/powerpoint/2010/main" val="1866686372"/>
               </p:ext>
             </p:extLst>
           </p:nvPr>
@@ -3895,10 +3911,34 @@
             <a:tbl>
               <a:tblPr/>
               <a:tblGrid>
-                <a:gridCol w="647700"/>
-                <a:gridCol w="3240112"/>
-                <a:gridCol w="576064"/>
-                <a:gridCol w="2233787"/>
+                <a:gridCol w="647700">
+                  <a:extLst>
+                    <a:ext uri="{9D8B030D-6E8A-4147-A177-3AD203B41FA5}">
+                      <a16:colId xmlns:a16="http://schemas.microsoft.com/office/drawing/2014/main" val="20000"/>
+                    </a:ext>
+                  </a:extLst>
+                </a:gridCol>
+                <a:gridCol w="3240112">
+                  <a:extLst>
+                    <a:ext uri="{9D8B030D-6E8A-4147-A177-3AD203B41FA5}">
+                      <a16:colId xmlns:a16="http://schemas.microsoft.com/office/drawing/2014/main" val="20001"/>
+                    </a:ext>
+                  </a:extLst>
+                </a:gridCol>
+                <a:gridCol w="576064">
+                  <a:extLst>
+                    <a:ext uri="{9D8B030D-6E8A-4147-A177-3AD203B41FA5}">
+                      <a16:colId xmlns:a16="http://schemas.microsoft.com/office/drawing/2014/main" val="20002"/>
+                    </a:ext>
+                  </a:extLst>
+                </a:gridCol>
+                <a:gridCol w="2233787">
+                  <a:extLst>
+                    <a:ext uri="{9D8B030D-6E8A-4147-A177-3AD203B41FA5}">
+                      <a16:colId xmlns:a16="http://schemas.microsoft.com/office/drawing/2014/main" val="20003"/>
+                    </a:ext>
+                  </a:extLst>
+                </a:gridCol>
               </a:tblGrid>
               <a:tr h="169863">
                 <a:tc rowSpan="2">
@@ -4293,6 +4333,31 @@
                         </a:rPr>
                         <a:t>フリガナ　</a:t>
                       </a:r>
+                      <a:r>
+                        <a:rPr kumimoji="1" lang="ja-JP" altLang="en-US" sz="700" b="0" i="0" u="none" strike="noStrike" cap="none" normalizeH="0" baseline="0" dirty="0" smtClean="0">
+                          <a:ln>
+                            <a:noFill/>
+                          </a:ln>
+                          <a:solidFill>
+                            <a:schemeClr val="tx1"/>
+                          </a:solidFill>
+                          <a:effectLst/>
+                          <a:latin typeface="Arial" charset="0"/>
+                          <a:ea typeface="ＭＳ Ｐゴシック" charset="-128"/>
+                        </a:rPr>
+                        <a:t>　　　　　　　　　　　　　　　　ブルーム</a:t>
+                      </a:r>
+                      <a:endParaRPr kumimoji="1" lang="ja-JP" altLang="en-US" sz="700" b="0" i="0" u="none" strike="noStrike" cap="none" normalizeH="0" baseline="0" dirty="0" smtClean="0">
+                        <a:ln>
+                          <a:noFill/>
+                        </a:ln>
+                        <a:solidFill>
+                          <a:schemeClr val="tx1"/>
+                        </a:solidFill>
+                        <a:effectLst/>
+                        <a:latin typeface="Arial" charset="0"/>
+                        <a:ea typeface="ＭＳ Ｐゴシック" charset="-128"/>
+                      </a:endParaRPr>
                     </a:p>
                   </a:txBody>
                   <a:tcPr horzOverflow="overflow">
@@ -4689,6 +4754,10 @@
                         <a:defRPr/>
                       </a:pPr>
                       <a:r>
+                        <a:rPr lang="en-US" altLang="ja-JP" sz="1050" dirty="0" smtClean="0"/>
+                        <a:t>■</a:t>
+                      </a:r>
+                      <a:r>
                         <a:rPr kumimoji="1" lang="ja-JP" altLang="en-US" sz="1050" b="0" i="0" u="none" strike="noStrike" cap="none" normalizeH="0" baseline="0" dirty="0" smtClean="0">
                           <a:ln>
                             <a:noFill/>
@@ -4700,7 +4769,7 @@
                           <a:latin typeface="Arial" charset="0"/>
                           <a:ea typeface="ＭＳ Ｐゴシック" charset="-128"/>
                         </a:rPr>
-                        <a:t>□  </a:t>
+                        <a:t>  </a:t>
                       </a:r>
                       <a:r>
                         <a:rPr kumimoji="1" lang="en-US" altLang="ja-JP" sz="1050" b="0" i="0" u="none" strike="noStrike" cap="none" normalizeH="0" baseline="0" dirty="0" smtClean="0">
@@ -4960,6 +5029,11 @@
                     <a:noFill/>
                   </a:tcPr>
                 </a:tc>
+                <a:extLst>
+                  <a:ext uri="{0D108BD9-81ED-4DB2-BD59-A6C34878D82A}">
+                    <a16:rowId xmlns:a16="http://schemas.microsoft.com/office/drawing/2014/main" val="10000"/>
+                  </a:ext>
+                </a:extLst>
               </a:tr>
               <a:tr h="404813">
                 <a:tc vMerge="1">
@@ -5098,7 +5172,7 @@
                       </a:lvl9pPr>
                     </a:lstStyle>
                     <a:p>
-                      <a:pPr marL="0" marR="0" lvl="0" indent="0" algn="l" defTabSz="914400" rtl="0" eaLnBrk="1" fontAlgn="base" latinLnBrk="0" hangingPunct="1">
+                      <a:pPr marL="0" marR="0" lvl="0" indent="0" algn="ctr" defTabSz="914400" rtl="0" eaLnBrk="1" fontAlgn="base" latinLnBrk="0" hangingPunct="1">
                         <a:lnSpc>
                           <a:spcPct val="100000"/>
                         </a:lnSpc>
@@ -5114,6 +5188,20 @@
                         <a:buNone/>
                         <a:tabLst/>
                       </a:pPr>
+                      <a:r>
+                        <a:rPr kumimoji="1" lang="en-US" altLang="ja-JP" sz="1200" b="0" i="0" u="none" strike="noStrike" cap="none" normalizeH="0" baseline="0" dirty="0" smtClean="0">
+                          <a:ln>
+                            <a:noFill/>
+                          </a:ln>
+                          <a:solidFill>
+                            <a:schemeClr val="tx1"/>
+                          </a:solidFill>
+                          <a:effectLst/>
+                          <a:latin typeface="Arial" charset="0"/>
+                          <a:ea typeface="ＭＳ Ｐゴシック" charset="-128"/>
+                        </a:rPr>
+                        <a:t>BLROOM</a:t>
+                      </a:r>
                       <a:endParaRPr kumimoji="1" lang="ja-JP" altLang="ja-JP" sz="1200" b="0" i="0" u="none" strike="noStrike" cap="none" normalizeH="0" baseline="0" dirty="0" smtClean="0">
                         <a:ln>
                           <a:noFill/>
@@ -5193,6 +5281,11 @@
                   </a:txBody>
                   <a:tcPr/>
                 </a:tc>
+                <a:extLst>
+                  <a:ext uri="{0D108BD9-81ED-4DB2-BD59-A6C34878D82A}">
+                    <a16:rowId xmlns:a16="http://schemas.microsoft.com/office/drawing/2014/main" val="10001"/>
+                  </a:ext>
+                </a:extLst>
               </a:tr>
             </a:tbl>
           </a:graphicData>
@@ -5207,21 +5300,27 @@
           <p:nvPr>
             <p:extLst>
               <p:ext uri="{D42A27DB-BD31-4B8C-83A1-F6EECF244321}">
-                <p14:modId xmlns:p14="http://schemas.microsoft.com/office/powerpoint/2010/main" val="3848577236"/>
+                <p14:modId xmlns:p14="http://schemas.microsoft.com/office/powerpoint/2010/main" val="1748992495"/>
               </p:ext>
             </p:extLst>
           </p:nvPr>
         </p:nvGraphicFramePr>
         <p:xfrm>
           <a:off x="127000" y="2250157"/>
-          <a:ext cx="6697663" cy="7056784"/>
+          <a:ext cx="6697663" cy="8650224"/>
         </p:xfrm>
         <a:graphic>
           <a:graphicData uri="http://schemas.openxmlformats.org/drawingml/2006/table">
             <a:tbl>
               <a:tblPr/>
               <a:tblGrid>
-                <a:gridCol w="6697663"/>
+                <a:gridCol w="6697663">
+                  <a:extLst>
+                    <a:ext uri="{9D8B030D-6E8A-4147-A177-3AD203B41FA5}">
+                      <a16:colId xmlns:a16="http://schemas.microsoft.com/office/drawing/2014/main" val="20000"/>
+                    </a:ext>
+                  </a:extLst>
+                </a:gridCol>
               </a:tblGrid>
               <a:tr h="7056784">
                 <a:tc>
@@ -5498,8 +5597,62 @@
                           <a:latin typeface="Arial" charset="0"/>
                           <a:ea typeface="ＭＳ Ｐゴシック" charset="-128"/>
                         </a:rPr>
-                        <a:t>に即した具体的な表現、手法などを用いた箇所についてもあわせて記入下さい。</a:t>
+                        <a:t>に即した具体的な表現、手法などを用いた箇所についてもあわせて記入下さい</a:t>
                       </a:r>
+                      <a:r>
+                        <a:rPr kumimoji="1" lang="ja-JP" altLang="en-US" sz="1000" b="0" i="0" u="none" strike="noStrike" cap="none" normalizeH="0" baseline="0" dirty="0" smtClean="0">
+                          <a:ln>
+                            <a:noFill/>
+                          </a:ln>
+                          <a:solidFill>
+                            <a:schemeClr val="tx1"/>
+                          </a:solidFill>
+                          <a:effectLst/>
+                          <a:latin typeface="Arial" charset="0"/>
+                          <a:ea typeface="ＭＳ Ｐゴシック" charset="-128"/>
+                        </a:rPr>
+                        <a:t>。</a:t>
+                      </a:r>
+                      <a:endParaRPr kumimoji="1" lang="en-US" altLang="ja-JP" sz="1000" b="0" i="0" u="none" strike="noStrike" cap="none" normalizeH="0" baseline="0" dirty="0" smtClean="0">
+                        <a:ln>
+                          <a:noFill/>
+                        </a:ln>
+                        <a:solidFill>
+                          <a:schemeClr val="tx1"/>
+                        </a:solidFill>
+                        <a:effectLst/>
+                        <a:latin typeface="Arial" charset="0"/>
+                        <a:ea typeface="ＭＳ Ｐゴシック" charset="-128"/>
+                      </a:endParaRPr>
+                    </a:p>
+                    <a:p>
+                      <a:pPr marL="0" marR="0" lvl="0" indent="0" algn="l" defTabSz="914400" rtl="0" eaLnBrk="1" fontAlgn="base" latinLnBrk="0" hangingPunct="1">
+                        <a:lnSpc>
+                          <a:spcPct val="100000"/>
+                        </a:lnSpc>
+                        <a:spcBef>
+                          <a:spcPct val="20000"/>
+                        </a:spcBef>
+                        <a:spcAft>
+                          <a:spcPct val="0"/>
+                        </a:spcAft>
+                        <a:buClrTx/>
+                        <a:buSzTx/>
+                        <a:buFontTx/>
+                        <a:buNone/>
+                        <a:tabLst/>
+                      </a:pPr>
+                      <a:endParaRPr kumimoji="1" lang="en-US" altLang="ja-JP" sz="1200" b="0" i="0" u="none" strike="noStrike" cap="none" normalizeH="0" baseline="0" dirty="0" smtClean="0">
+                        <a:ln>
+                          <a:noFill/>
+                        </a:ln>
+                        <a:solidFill>
+                          <a:schemeClr val="tx1"/>
+                        </a:solidFill>
+                        <a:effectLst/>
+                        <a:latin typeface="ＭＳ Ｐゴシック" panose="020B0600070205080204" pitchFamily="50" charset="-128"/>
+                        <a:ea typeface="ＭＳ Ｐゴシック" panose="020B0600070205080204" pitchFamily="50" charset="-128"/>
+                      </a:endParaRPr>
                     </a:p>
                     <a:p>
                       <a:pPr marL="0" marR="0" lvl="0" indent="0" algn="l" defTabSz="914400" rtl="0" eaLnBrk="1" fontAlgn="base" latinLnBrk="0" hangingPunct="1">
@@ -5530,7 +5683,35 @@
                           <a:latin typeface="ＭＳ Ｐゴシック" panose="020B0600070205080204" pitchFamily="50" charset="-128"/>
                           <a:ea typeface="ＭＳ Ｐゴシック" panose="020B0600070205080204" pitchFamily="50" charset="-128"/>
                         </a:rPr>
-                        <a:t>　</a:t>
+                        <a:t>　私たちの作品「</a:t>
+                      </a:r>
+                      <a:r>
+                        <a:rPr kumimoji="1" lang="en-US" altLang="ja-JP" sz="1200" b="0" i="0" u="none" strike="noStrike" cap="none" normalizeH="0" baseline="0" dirty="0" smtClean="0">
+                          <a:ln>
+                            <a:noFill/>
+                          </a:ln>
+                          <a:solidFill>
+                            <a:schemeClr val="tx1"/>
+                          </a:solidFill>
+                          <a:effectLst/>
+                          <a:latin typeface="ＭＳ Ｐゴシック" panose="020B0600070205080204" pitchFamily="50" charset="-128"/>
+                          <a:ea typeface="ＭＳ Ｐゴシック" panose="020B0600070205080204" pitchFamily="50" charset="-128"/>
+                        </a:rPr>
+                        <a:t>BLROOM</a:t>
+                      </a:r>
+                      <a:r>
+                        <a:rPr kumimoji="1" lang="ja-JP" altLang="en-US" sz="1200" b="0" i="0" u="none" strike="noStrike" cap="none" normalizeH="0" baseline="0" dirty="0" smtClean="0">
+                          <a:ln>
+                            <a:noFill/>
+                          </a:ln>
+                          <a:solidFill>
+                            <a:schemeClr val="tx1"/>
+                          </a:solidFill>
+                          <a:effectLst/>
+                          <a:latin typeface="ＭＳ Ｐゴシック" panose="020B0600070205080204" pitchFamily="50" charset="-128"/>
+                          <a:ea typeface="ＭＳ Ｐゴシック" panose="020B0600070205080204" pitchFamily="50" charset="-128"/>
+                        </a:rPr>
+                        <a:t>」は、「彗星」の仕組みに着目することで、今回のテーマである「☆」を</a:t>
                       </a:r>
                       <a:endParaRPr kumimoji="1" lang="en-US" altLang="ja-JP" sz="1200" b="0" i="0" u="none" strike="noStrike" cap="none" normalizeH="0" baseline="0" dirty="0" smtClean="0">
                         <a:ln>
@@ -5561,6 +5742,362 @@
                         <a:buNone/>
                         <a:tabLst/>
                       </a:pPr>
+                      <a:r>
+                        <a:rPr kumimoji="1" lang="ja-JP" altLang="en-US" sz="1200" b="0" i="0" u="none" strike="noStrike" cap="none" normalizeH="0" baseline="0" dirty="0" smtClean="0">
+                          <a:ln>
+                            <a:noFill/>
+                          </a:ln>
+                          <a:solidFill>
+                            <a:schemeClr val="tx1"/>
+                          </a:solidFill>
+                          <a:effectLst/>
+                          <a:latin typeface="ＭＳ Ｐゴシック" panose="020B0600070205080204" pitchFamily="50" charset="-128"/>
+                          <a:ea typeface="ＭＳ Ｐゴシック" panose="020B0600070205080204" pitchFamily="50" charset="-128"/>
+                        </a:rPr>
+                        <a:t>表現しています。</a:t>
+                      </a:r>
+                      <a:r>
+                        <a:rPr kumimoji="1" lang="en-US" altLang="ja-JP" sz="1200" b="0" i="0" u="none" strike="noStrike" cap="none" normalizeH="0" baseline="0" dirty="0" smtClean="0">
+                          <a:ln>
+                            <a:noFill/>
+                          </a:ln>
+                          <a:solidFill>
+                            <a:schemeClr val="tx1"/>
+                          </a:solidFill>
+                          <a:effectLst/>
+                          <a:latin typeface="ＭＳ Ｐゴシック" panose="020B0600070205080204" pitchFamily="50" charset="-128"/>
+                          <a:ea typeface="ＭＳ Ｐゴシック" panose="020B0600070205080204" pitchFamily="50" charset="-128"/>
+                        </a:rPr>
+                        <a:t>BLROOM</a:t>
+                      </a:r>
+                      <a:r>
+                        <a:rPr kumimoji="1" lang="ja-JP" altLang="en-US" sz="1200" b="0" i="0" u="none" strike="noStrike" cap="none" normalizeH="0" baseline="0" dirty="0" smtClean="0">
+                          <a:ln>
+                            <a:noFill/>
+                          </a:ln>
+                          <a:solidFill>
+                            <a:schemeClr val="tx1"/>
+                          </a:solidFill>
+                          <a:effectLst/>
+                          <a:latin typeface="ＭＳ Ｐゴシック" panose="020B0600070205080204" pitchFamily="50" charset="-128"/>
+                          <a:ea typeface="ＭＳ Ｐゴシック" panose="020B0600070205080204" pitchFamily="50" charset="-128"/>
+                        </a:rPr>
+                        <a:t>という名前は、彗星を示唆する</a:t>
+                      </a:r>
+                      <a:r>
+                        <a:rPr kumimoji="1" lang="en-US" altLang="ja-JP" sz="1200" b="0" i="0" u="none" strike="noStrike" cap="none" normalizeH="0" baseline="0" dirty="0" smtClean="0">
+                          <a:ln>
+                            <a:noFill/>
+                          </a:ln>
+                          <a:solidFill>
+                            <a:schemeClr val="tx1"/>
+                          </a:solidFill>
+                          <a:effectLst/>
+                          <a:latin typeface="ＭＳ Ｐゴシック" panose="020B0600070205080204" pitchFamily="50" charset="-128"/>
+                          <a:ea typeface="ＭＳ Ｐゴシック" panose="020B0600070205080204" pitchFamily="50" charset="-128"/>
+                        </a:rPr>
+                        <a:t>BLOOM</a:t>
+                      </a:r>
+                      <a:r>
+                        <a:rPr kumimoji="1" lang="ja-JP" altLang="en-US" sz="1200" b="0" i="0" u="none" strike="noStrike" cap="none" normalizeH="0" baseline="0" dirty="0" smtClean="0">
+                          <a:ln>
+                            <a:noFill/>
+                          </a:ln>
+                          <a:solidFill>
+                            <a:schemeClr val="tx1"/>
+                          </a:solidFill>
+                          <a:effectLst/>
+                          <a:latin typeface="ＭＳ Ｐゴシック" panose="020B0600070205080204" pitchFamily="50" charset="-128"/>
+                          <a:ea typeface="ＭＳ Ｐゴシック" panose="020B0600070205080204" pitchFamily="50" charset="-128"/>
+                        </a:rPr>
+                        <a:t>（咲くような光）と</a:t>
+                      </a:r>
+                      <a:r>
+                        <a:rPr kumimoji="1" lang="en-US" altLang="ja-JP" sz="1200" b="0" i="0" u="none" strike="noStrike" cap="none" normalizeH="0" baseline="0" dirty="0" smtClean="0">
+                          <a:ln>
+                            <a:noFill/>
+                          </a:ln>
+                          <a:solidFill>
+                            <a:schemeClr val="tx1"/>
+                          </a:solidFill>
+                          <a:effectLst/>
+                          <a:latin typeface="ＭＳ Ｐゴシック" panose="020B0600070205080204" pitchFamily="50" charset="-128"/>
+                          <a:ea typeface="ＭＳ Ｐゴシック" panose="020B0600070205080204" pitchFamily="50" charset="-128"/>
+                        </a:rPr>
+                        <a:t>BROOM</a:t>
+                      </a:r>
+                      <a:r>
+                        <a:rPr kumimoji="1" lang="ja-JP" altLang="en-US" sz="1200" b="0" i="0" u="none" strike="noStrike" cap="none" normalizeH="0" baseline="0" dirty="0" smtClean="0">
+                          <a:ln>
+                            <a:noFill/>
+                          </a:ln>
+                          <a:solidFill>
+                            <a:schemeClr val="tx1"/>
+                          </a:solidFill>
+                          <a:effectLst/>
+                          <a:latin typeface="ＭＳ Ｐゴシック" panose="020B0600070205080204" pitchFamily="50" charset="-128"/>
+                          <a:ea typeface="ＭＳ Ｐゴシック" panose="020B0600070205080204" pitchFamily="50" charset="-128"/>
+                        </a:rPr>
+                        <a:t>（ほうき）を合わせた造語です。</a:t>
+                      </a:r>
+                      <a:endParaRPr kumimoji="1" lang="en-US" altLang="ja-JP" sz="1200" b="0" i="0" u="none" strike="noStrike" cap="none" normalizeH="0" baseline="0" dirty="0" smtClean="0">
+                        <a:ln>
+                          <a:noFill/>
+                        </a:ln>
+                        <a:solidFill>
+                          <a:schemeClr val="tx1"/>
+                        </a:solidFill>
+                        <a:effectLst/>
+                        <a:latin typeface="ＭＳ Ｐゴシック" panose="020B0600070205080204" pitchFamily="50" charset="-128"/>
+                        <a:ea typeface="ＭＳ Ｐゴシック" panose="020B0600070205080204" pitchFamily="50" charset="-128"/>
+                      </a:endParaRPr>
+                    </a:p>
+                    <a:p>
+                      <a:pPr marL="0" marR="0" lvl="0" indent="0" algn="l" defTabSz="914400" rtl="0" eaLnBrk="1" fontAlgn="base" latinLnBrk="0" hangingPunct="1">
+                        <a:lnSpc>
+                          <a:spcPct val="100000"/>
+                        </a:lnSpc>
+                        <a:spcBef>
+                          <a:spcPct val="20000"/>
+                        </a:spcBef>
+                        <a:spcAft>
+                          <a:spcPct val="0"/>
+                        </a:spcAft>
+                        <a:buClrTx/>
+                        <a:buSzTx/>
+                        <a:buFontTx/>
+                        <a:buNone/>
+                        <a:tabLst/>
+                      </a:pPr>
+                      <a:r>
+                        <a:rPr kumimoji="1" lang="ja-JP" altLang="en-US" sz="1200" b="0" i="0" u="none" strike="noStrike" cap="none" normalizeH="0" baseline="0" dirty="0" smtClean="0">
+                          <a:ln>
+                            <a:noFill/>
+                          </a:ln>
+                          <a:solidFill>
+                            <a:schemeClr val="tx1"/>
+                          </a:solidFill>
+                          <a:effectLst/>
+                          <a:latin typeface="ＭＳ Ｐゴシック" panose="020B0600070205080204" pitchFamily="50" charset="-128"/>
+                          <a:ea typeface="ＭＳ Ｐゴシック" panose="020B0600070205080204" pitchFamily="50" charset="-128"/>
+                        </a:rPr>
+                        <a:t>　プレイヤーは太陽を操作でき、その周囲には彗星が公転しています。太陽を移動させることで</a:t>
+                      </a:r>
+                      <a:endParaRPr kumimoji="1" lang="en-US" altLang="ja-JP" sz="1200" b="0" i="0" u="none" strike="noStrike" cap="none" normalizeH="0" baseline="0" dirty="0" smtClean="0">
+                        <a:ln>
+                          <a:noFill/>
+                        </a:ln>
+                        <a:solidFill>
+                          <a:schemeClr val="tx1"/>
+                        </a:solidFill>
+                        <a:effectLst/>
+                        <a:latin typeface="ＭＳ Ｐゴシック" panose="020B0600070205080204" pitchFamily="50" charset="-128"/>
+                        <a:ea typeface="ＭＳ Ｐゴシック" panose="020B0600070205080204" pitchFamily="50" charset="-128"/>
+                      </a:endParaRPr>
+                    </a:p>
+                    <a:p>
+                      <a:pPr marL="0" marR="0" lvl="0" indent="0" algn="l" defTabSz="914400" rtl="0" eaLnBrk="1" fontAlgn="base" latinLnBrk="0" hangingPunct="1">
+                        <a:lnSpc>
+                          <a:spcPct val="100000"/>
+                        </a:lnSpc>
+                        <a:spcBef>
+                          <a:spcPct val="20000"/>
+                        </a:spcBef>
+                        <a:spcAft>
+                          <a:spcPct val="0"/>
+                        </a:spcAft>
+                        <a:buClrTx/>
+                        <a:buSzTx/>
+                        <a:buFontTx/>
+                        <a:buNone/>
+                        <a:tabLst/>
+                      </a:pPr>
+                      <a:r>
+                        <a:rPr kumimoji="1" lang="ja-JP" altLang="en-US" sz="1200" b="0" i="0" u="none" strike="noStrike" cap="none" normalizeH="0" baseline="0" dirty="0" smtClean="0">
+                          <a:ln>
+                            <a:noFill/>
+                          </a:ln>
+                          <a:solidFill>
+                            <a:schemeClr val="tx1"/>
+                          </a:solidFill>
+                          <a:effectLst/>
+                          <a:latin typeface="ＭＳ Ｐゴシック" panose="020B0600070205080204" pitchFamily="50" charset="-128"/>
+                          <a:ea typeface="ＭＳ Ｐゴシック" panose="020B0600070205080204" pitchFamily="50" charset="-128"/>
+                        </a:rPr>
+                        <a:t>「彗星の尾は、常に太陽と対面の位置に伸びて見える」という性質により、彗星の尾は様々な方向に</a:t>
+                      </a:r>
+                      <a:endParaRPr kumimoji="1" lang="en-US" altLang="ja-JP" sz="1200" b="0" i="0" u="none" strike="noStrike" cap="none" normalizeH="0" baseline="0" dirty="0" smtClean="0">
+                        <a:ln>
+                          <a:noFill/>
+                        </a:ln>
+                        <a:solidFill>
+                          <a:schemeClr val="tx1"/>
+                        </a:solidFill>
+                        <a:effectLst/>
+                        <a:latin typeface="ＭＳ Ｐゴシック" panose="020B0600070205080204" pitchFamily="50" charset="-128"/>
+                        <a:ea typeface="ＭＳ Ｐゴシック" panose="020B0600070205080204" pitchFamily="50" charset="-128"/>
+                      </a:endParaRPr>
+                    </a:p>
+                    <a:p>
+                      <a:pPr marL="0" marR="0" lvl="0" indent="0" algn="l" defTabSz="914400" rtl="0" eaLnBrk="1" fontAlgn="base" latinLnBrk="0" hangingPunct="1">
+                        <a:lnSpc>
+                          <a:spcPct val="100000"/>
+                        </a:lnSpc>
+                        <a:spcBef>
+                          <a:spcPct val="20000"/>
+                        </a:spcBef>
+                        <a:spcAft>
+                          <a:spcPct val="0"/>
+                        </a:spcAft>
+                        <a:buClrTx/>
+                        <a:buSzTx/>
+                        <a:buFontTx/>
+                        <a:buNone/>
+                        <a:tabLst/>
+                      </a:pPr>
+                      <a:r>
+                        <a:rPr kumimoji="1" lang="ja-JP" altLang="en-US" sz="1200" b="0" i="0" u="none" strike="noStrike" cap="none" normalizeH="0" baseline="0" dirty="0" smtClean="0">
+                          <a:ln>
+                            <a:noFill/>
+                          </a:ln>
+                          <a:solidFill>
+                            <a:schemeClr val="tx1"/>
+                          </a:solidFill>
+                          <a:effectLst/>
+                          <a:latin typeface="ＭＳ Ｐゴシック" panose="020B0600070205080204" pitchFamily="50" charset="-128"/>
+                          <a:ea typeface="ＭＳ Ｐゴシック" panose="020B0600070205080204" pitchFamily="50" charset="-128"/>
+                        </a:rPr>
+                        <a:t>太陽との位置関係により伸び縮みします。その彗星の尾を巧みに操り、周囲の赤色の星をどんどん破壊していきましょう。</a:t>
+                      </a:r>
+                      <a:endParaRPr kumimoji="1" lang="en-US" altLang="ja-JP" sz="1200" b="0" i="0" u="none" strike="noStrike" cap="none" normalizeH="0" baseline="0" dirty="0" smtClean="0">
+                        <a:ln>
+                          <a:noFill/>
+                        </a:ln>
+                        <a:solidFill>
+                          <a:schemeClr val="tx1"/>
+                        </a:solidFill>
+                        <a:effectLst/>
+                        <a:latin typeface="ＭＳ Ｐゴシック" panose="020B0600070205080204" pitchFamily="50" charset="-128"/>
+                        <a:ea typeface="ＭＳ Ｐゴシック" panose="020B0600070205080204" pitchFamily="50" charset="-128"/>
+                      </a:endParaRPr>
+                    </a:p>
+                    <a:p>
+                      <a:pPr marL="0" marR="0" lvl="0" indent="0" algn="l" defTabSz="914400" rtl="0" eaLnBrk="1" fontAlgn="base" latinLnBrk="0" hangingPunct="1">
+                        <a:lnSpc>
+                          <a:spcPct val="100000"/>
+                        </a:lnSpc>
+                        <a:spcBef>
+                          <a:spcPct val="20000"/>
+                        </a:spcBef>
+                        <a:spcAft>
+                          <a:spcPct val="0"/>
+                        </a:spcAft>
+                        <a:buClrTx/>
+                        <a:buSzTx/>
+                        <a:buFontTx/>
+                        <a:buNone/>
+                        <a:tabLst/>
+                      </a:pPr>
+                      <a:r>
+                        <a:rPr kumimoji="1" lang="ja-JP" altLang="en-US" sz="1200" b="0" i="0" u="none" strike="noStrike" cap="none" normalizeH="0" baseline="0" dirty="0" smtClean="0">
+                          <a:ln>
+                            <a:noFill/>
+                          </a:ln>
+                          <a:solidFill>
+                            <a:schemeClr val="tx1"/>
+                          </a:solidFill>
+                          <a:effectLst/>
+                          <a:latin typeface="ＭＳ Ｐゴシック" panose="020B0600070205080204" pitchFamily="50" charset="-128"/>
+                          <a:ea typeface="ＭＳ Ｐゴシック" panose="020B0600070205080204" pitchFamily="50" charset="-128"/>
+                        </a:rPr>
+                        <a:t>ただし緑色の星は破壊してはいけません。スコアがダウンしていまいます。</a:t>
+                      </a:r>
+                      <a:endParaRPr kumimoji="1" lang="en-US" altLang="ja-JP" sz="1200" b="0" i="0" u="none" strike="noStrike" cap="none" normalizeH="0" baseline="0" dirty="0" smtClean="0">
+                        <a:ln>
+                          <a:noFill/>
+                        </a:ln>
+                        <a:solidFill>
+                          <a:schemeClr val="tx1"/>
+                        </a:solidFill>
+                        <a:effectLst/>
+                        <a:latin typeface="ＭＳ Ｐゴシック" panose="020B0600070205080204" pitchFamily="50" charset="-128"/>
+                        <a:ea typeface="ＭＳ Ｐゴシック" panose="020B0600070205080204" pitchFamily="50" charset="-128"/>
+                      </a:endParaRPr>
+                    </a:p>
+                    <a:p>
+                      <a:pPr marL="0" marR="0" lvl="0" indent="0" algn="l" defTabSz="914400" rtl="0" eaLnBrk="1" fontAlgn="base" latinLnBrk="0" hangingPunct="1">
+                        <a:lnSpc>
+                          <a:spcPct val="100000"/>
+                        </a:lnSpc>
+                        <a:spcBef>
+                          <a:spcPct val="20000"/>
+                        </a:spcBef>
+                        <a:spcAft>
+                          <a:spcPct val="0"/>
+                        </a:spcAft>
+                        <a:buClrTx/>
+                        <a:buSzTx/>
+                        <a:buFontTx/>
+                        <a:buNone/>
+                        <a:tabLst/>
+                      </a:pPr>
+                      <a:r>
+                        <a:rPr kumimoji="1" lang="ja-JP" altLang="en-US" sz="1200" b="0" i="0" u="none" strike="noStrike" cap="none" normalizeH="0" baseline="0" dirty="0" smtClean="0">
+                          <a:ln>
+                            <a:noFill/>
+                          </a:ln>
+                          <a:solidFill>
+                            <a:schemeClr val="tx1"/>
+                          </a:solidFill>
+                          <a:effectLst/>
+                          <a:latin typeface="ＭＳ Ｐゴシック" panose="020B0600070205080204" pitchFamily="50" charset="-128"/>
+                          <a:ea typeface="ＭＳ Ｐゴシック" panose="020B0600070205080204" pitchFamily="50" charset="-128"/>
+                        </a:rPr>
+                        <a:t>　ゲームシステムはスコアアタック式で最終的にスコアが０になってしまうとゲームオーバーです。</a:t>
+                      </a:r>
+                      <a:endParaRPr kumimoji="1" lang="en-US" altLang="ja-JP" sz="1200" b="0" i="0" u="none" strike="noStrike" cap="none" normalizeH="0" baseline="0" dirty="0" smtClean="0">
+                        <a:ln>
+                          <a:noFill/>
+                        </a:ln>
+                        <a:solidFill>
+                          <a:schemeClr val="tx1"/>
+                        </a:solidFill>
+                        <a:effectLst/>
+                        <a:latin typeface="ＭＳ Ｐゴシック" panose="020B0600070205080204" pitchFamily="50" charset="-128"/>
+                        <a:ea typeface="ＭＳ Ｐゴシック" panose="020B0600070205080204" pitchFamily="50" charset="-128"/>
+                      </a:endParaRPr>
+                    </a:p>
+                    <a:p>
+                      <a:pPr marL="0" marR="0" lvl="0" indent="0" algn="l" defTabSz="914400" rtl="0" eaLnBrk="1" fontAlgn="base" latinLnBrk="0" hangingPunct="1">
+                        <a:lnSpc>
+                          <a:spcPct val="100000"/>
+                        </a:lnSpc>
+                        <a:spcBef>
+                          <a:spcPct val="20000"/>
+                        </a:spcBef>
+                        <a:spcAft>
+                          <a:spcPct val="0"/>
+                        </a:spcAft>
+                        <a:buClrTx/>
+                        <a:buSzTx/>
+                        <a:buFontTx/>
+                        <a:buNone/>
+                        <a:tabLst/>
+                      </a:pPr>
+                      <a:r>
+                        <a:rPr kumimoji="1" lang="ja-JP" altLang="en-US" sz="1200" b="0" i="0" u="none" strike="noStrike" cap="none" normalizeH="0" baseline="0" dirty="0" smtClean="0">
+                          <a:ln>
+                            <a:noFill/>
+                          </a:ln>
+                          <a:solidFill>
+                            <a:schemeClr val="tx1"/>
+                          </a:solidFill>
+                          <a:effectLst/>
+                          <a:latin typeface="ＭＳ Ｐゴシック" panose="020B0600070205080204" pitchFamily="50" charset="-128"/>
+                          <a:ea typeface="ＭＳ Ｐゴシック" panose="020B0600070205080204" pitchFamily="50" charset="-128"/>
+                        </a:rPr>
+                        <a:t>大量の赤色の星を爆発していくのはとても爽快で、ステージによって様々な気持ちの良い破壊の仕方を工夫し、ステージ完全クリアを目指しましょう。</a:t>
+                      </a:r>
                       <a:endParaRPr kumimoji="1" lang="en-US" altLang="ja-JP" sz="1200" b="0" i="0" u="none" strike="noStrike" cap="none" normalizeH="0" baseline="0" dirty="0" smtClean="0">
                         <a:ln>
                           <a:noFill/>
@@ -6345,6 +6882,11 @@
                     <a:noFill/>
                   </a:tcPr>
                 </a:tc>
+                <a:extLst>
+                  <a:ext uri="{0D108BD9-81ED-4DB2-BD59-A6C34878D82A}">
+                    <a16:rowId xmlns:a16="http://schemas.microsoft.com/office/drawing/2014/main" val="10000"/>
+                  </a:ext>
+                </a:extLst>
               </a:tr>
             </a:tbl>
           </a:graphicData>
